--- a/7.10/git_introducing.pptx
+++ b/7.10/git_introducing.pptx
@@ -7120,12 +7120,20 @@
               <a:t> </a:t>
             </a:r>
             <a:r>
-              <a:rPr lang="en-US" altLang="zh-CN" dirty="0" err="1">
+              <a:rPr lang="en-US" altLang="zh-CN" dirty="0" err="1" smtClean="0">
                 <a:solidFill>
                   <a:srgbClr val="FF0000"/>
                 </a:solidFill>
               </a:rPr>
               <a:t>init</a:t>
+            </a:r>
+            <a:r>
+              <a:rPr lang="zh-CN" altLang="en-US" dirty="0" smtClean="0">
+                <a:solidFill>
+                  <a:srgbClr val="FF0000"/>
+                </a:solidFill>
+              </a:rPr>
+              <a:t>新建一个代码库</a:t>
             </a:r>
             <a:endParaRPr lang="en-US" altLang="zh-CN" dirty="0">
               <a:solidFill>
@@ -7457,8 +7465,31 @@
               <a:t> </a:t>
             </a:r>
             <a:r>
+              <a:rPr lang="en-US" altLang="zh-CN" dirty="0" smtClean="0"/>
+              <a:t>readme.md</a:t>
+            </a:r>
+            <a:r>
+              <a:rPr lang="zh-CN" altLang="en-US" dirty="0" smtClean="0"/>
+              <a:t>增加文件到暂存区</a:t>
+            </a:r>
+            <a:endParaRPr lang="en-US" altLang="zh-CN" dirty="0" smtClean="0"/>
+          </a:p>
+          <a:p>
+            <a:r>
+              <a:rPr lang="en-US" altLang="zh-CN" dirty="0" smtClean="0"/>
+              <a:t>Git add [</a:t>
+            </a:r>
+            <a:r>
               <a:rPr lang="en-US" altLang="zh-CN" dirty="0" err="1" smtClean="0"/>
-              <a:t>readme.md</a:t>
+              <a:t>dir</a:t>
+            </a:r>
+            <a:r>
+              <a:rPr lang="en-US" altLang="zh-CN" dirty="0" smtClean="0"/>
+              <a:t>]</a:t>
+            </a:r>
+            <a:r>
+              <a:rPr lang="zh-CN" altLang="en-US" dirty="0" smtClean="0"/>
+              <a:t>增加整个目录到暂存区</a:t>
             </a:r>
             <a:endParaRPr lang="en-US" altLang="zh-CN" dirty="0" smtClean="0"/>
           </a:p>
